--- a/plots/DataVis_2022-01-10.pptx
+++ b/plots/DataVis_2022-01-10.pptx
@@ -10,6 +10,7 @@
     <p:sldId id="260" r:id="rId4"/>
     <p:sldId id="258" r:id="rId5"/>
     <p:sldId id="259" r:id="rId6"/>
+    <p:sldId id="261" r:id="rId7"/>
   </p:sldIdLst>
   <p:sldSz cx="12192000" cy="6858000"/>
   <p:notesSz cx="6858000" cy="9144000"/>
@@ -108,7 +109,87 @@
       </a:defRPr>
     </a:lvl9pPr>
   </p:defaultTextStyle>
+  <p:extLst>
+    <p:ext uri="{EFAFB233-063F-42B5-8137-9DF3F51BA10A}">
+      <p15:sldGuideLst xmlns:p15="http://schemas.microsoft.com/office/powerpoint/2012/main"/>
+    </p:ext>
+  </p:extLst>
 </p:presentation>
+</file>
+
+<file path=ppt/revisionInfo.xml><?xml version="1.0" encoding="utf-8"?>
+<p1510:revInfo xmlns:a="http://schemas.openxmlformats.org/drawingml/2006/main" xmlns:r="http://schemas.openxmlformats.org/officeDocument/2006/relationships" xmlns:p1510="http://schemas.microsoft.com/office/powerpoint/2015/10/main">
+  <p1510:revLst>
+    <p1510:client id="{966F146B-3A71-41E7-8679-199E4923F3E8}" v="1" dt="2022-01-10T14:12:51.729"/>
+  </p1510:revLst>
+</p1510:revInfo>
+</file>
+
+<file path=ppt/changesInfos/changesInfo1.xml><?xml version="1.0" encoding="utf-8"?>
+<pc:chgInfo xmlns:a="http://schemas.openxmlformats.org/drawingml/2006/main" xmlns:r="http://schemas.openxmlformats.org/officeDocument/2006/relationships" xmlns:ac="http://schemas.microsoft.com/office/drawing/2013/main/command" xmlns:pc="http://schemas.microsoft.com/office/powerpoint/2013/main/command">
+  <pc:docChgLst>
+    <pc:chgData name="Keridwen" userId="efc72790-407d-4399-a1e9-2ba99c53982d" providerId="ADAL" clId="{966F146B-3A71-41E7-8679-199E4923F3E8}"/>
+    <pc:docChg chg="custSel addSld modSld">
+      <pc:chgData name="Keridwen" userId="efc72790-407d-4399-a1e9-2ba99c53982d" providerId="ADAL" clId="{966F146B-3A71-41E7-8679-199E4923F3E8}" dt="2022-01-10T14:23:32.048" v="698" actId="20577"/>
+      <pc:docMkLst>
+        <pc:docMk/>
+      </pc:docMkLst>
+      <pc:sldChg chg="addSp modSp mod">
+        <pc:chgData name="Keridwen" userId="efc72790-407d-4399-a1e9-2ba99c53982d" providerId="ADAL" clId="{966F146B-3A71-41E7-8679-199E4923F3E8}" dt="2022-01-10T14:12:56.156" v="6" actId="1076"/>
+        <pc:sldMkLst>
+          <pc:docMk/>
+          <pc:sldMk cId="3603000896" sldId="259"/>
+        </pc:sldMkLst>
+        <pc:picChg chg="add mod">
+          <ac:chgData name="Keridwen" userId="efc72790-407d-4399-a1e9-2ba99c53982d" providerId="ADAL" clId="{966F146B-3A71-41E7-8679-199E4923F3E8}" dt="2022-01-10T14:12:56.156" v="6" actId="1076"/>
+          <ac:picMkLst>
+            <pc:docMk/>
+            <pc:sldMk cId="3603000896" sldId="259"/>
+            <ac:picMk id="4" creationId="{92C20C27-37BA-4664-A545-800AB15941D0}"/>
+          </ac:picMkLst>
+        </pc:picChg>
+      </pc:sldChg>
+      <pc:sldChg chg="modSp mod">
+        <pc:chgData name="Keridwen" userId="efc72790-407d-4399-a1e9-2ba99c53982d" providerId="ADAL" clId="{966F146B-3A71-41E7-8679-199E4923F3E8}" dt="2022-01-10T14:13:49.338" v="7" actId="20577"/>
+        <pc:sldMkLst>
+          <pc:docMk/>
+          <pc:sldMk cId="2202524020" sldId="260"/>
+        </pc:sldMkLst>
+        <pc:spChg chg="mod">
+          <ac:chgData name="Keridwen" userId="efc72790-407d-4399-a1e9-2ba99c53982d" providerId="ADAL" clId="{966F146B-3A71-41E7-8679-199E4923F3E8}" dt="2022-01-10T14:13:49.338" v="7" actId="20577"/>
+          <ac:spMkLst>
+            <pc:docMk/>
+            <pc:sldMk cId="2202524020" sldId="260"/>
+            <ac:spMk id="3" creationId="{E98891B5-C2A3-4D20-A707-6EC655E8211D}"/>
+          </ac:spMkLst>
+        </pc:spChg>
+      </pc:sldChg>
+      <pc:sldChg chg="modSp new mod">
+        <pc:chgData name="Keridwen" userId="efc72790-407d-4399-a1e9-2ba99c53982d" providerId="ADAL" clId="{966F146B-3A71-41E7-8679-199E4923F3E8}" dt="2022-01-10T14:23:32.048" v="698" actId="20577"/>
+        <pc:sldMkLst>
+          <pc:docMk/>
+          <pc:sldMk cId="4180771730" sldId="261"/>
+        </pc:sldMkLst>
+        <pc:spChg chg="mod">
+          <ac:chgData name="Keridwen" userId="efc72790-407d-4399-a1e9-2ba99c53982d" providerId="ADAL" clId="{966F146B-3A71-41E7-8679-199E4923F3E8}" dt="2022-01-10T14:14:05.627" v="22" actId="20577"/>
+          <ac:spMkLst>
+            <pc:docMk/>
+            <pc:sldMk cId="4180771730" sldId="261"/>
+            <ac:spMk id="2" creationId="{9CBA50E8-87DA-41BC-921E-CD3F39EFEB78}"/>
+          </ac:spMkLst>
+        </pc:spChg>
+        <pc:spChg chg="mod">
+          <ac:chgData name="Keridwen" userId="efc72790-407d-4399-a1e9-2ba99c53982d" providerId="ADAL" clId="{966F146B-3A71-41E7-8679-199E4923F3E8}" dt="2022-01-10T14:23:32.048" v="698" actId="20577"/>
+          <ac:spMkLst>
+            <pc:docMk/>
+            <pc:sldMk cId="4180771730" sldId="261"/>
+            <ac:spMk id="3" creationId="{34072DC6-D117-49D2-96FC-A2C0750125B2}"/>
+          </ac:spMkLst>
+        </pc:spChg>
+      </pc:sldChg>
+    </pc:docChg>
+  </pc:docChgLst>
+</pc:chgInfo>
 </file>
 
 <file path=ppt/slideLayouts/slideLayout1.xml><?xml version="1.0" encoding="utf-8"?>
@@ -260,7 +341,7 @@
           <a:p>
             <a:fld id="{9E3C3F00-7567-4A91-B5F7-63219B446821}" type="datetimeFigureOut">
               <a:rPr lang="es-EC" smtClean="0"/>
-              <a:t>9/1/2022</a:t>
+              <a:t>10/1/2022</a:t>
             </a:fld>
             <a:endParaRPr lang="es-EC"/>
           </a:p>
@@ -460,7 +541,7 @@
           <a:p>
             <a:fld id="{9E3C3F00-7567-4A91-B5F7-63219B446821}" type="datetimeFigureOut">
               <a:rPr lang="es-EC" smtClean="0"/>
-              <a:t>9/1/2022</a:t>
+              <a:t>10/1/2022</a:t>
             </a:fld>
             <a:endParaRPr lang="es-EC"/>
           </a:p>
@@ -670,7 +751,7 @@
           <a:p>
             <a:fld id="{9E3C3F00-7567-4A91-B5F7-63219B446821}" type="datetimeFigureOut">
               <a:rPr lang="es-EC" smtClean="0"/>
-              <a:t>9/1/2022</a:t>
+              <a:t>10/1/2022</a:t>
             </a:fld>
             <a:endParaRPr lang="es-EC"/>
           </a:p>
@@ -870,7 +951,7 @@
           <a:p>
             <a:fld id="{9E3C3F00-7567-4A91-B5F7-63219B446821}" type="datetimeFigureOut">
               <a:rPr lang="es-EC" smtClean="0"/>
-              <a:t>9/1/2022</a:t>
+              <a:t>10/1/2022</a:t>
             </a:fld>
             <a:endParaRPr lang="es-EC"/>
           </a:p>
@@ -1146,7 +1227,7 @@
           <a:p>
             <a:fld id="{9E3C3F00-7567-4A91-B5F7-63219B446821}" type="datetimeFigureOut">
               <a:rPr lang="es-EC" smtClean="0"/>
-              <a:t>9/1/2022</a:t>
+              <a:t>10/1/2022</a:t>
             </a:fld>
             <a:endParaRPr lang="es-EC"/>
           </a:p>
@@ -1414,7 +1495,7 @@
           <a:p>
             <a:fld id="{9E3C3F00-7567-4A91-B5F7-63219B446821}" type="datetimeFigureOut">
               <a:rPr lang="es-EC" smtClean="0"/>
-              <a:t>9/1/2022</a:t>
+              <a:t>10/1/2022</a:t>
             </a:fld>
             <a:endParaRPr lang="es-EC"/>
           </a:p>
@@ -1829,7 +1910,7 @@
           <a:p>
             <a:fld id="{9E3C3F00-7567-4A91-B5F7-63219B446821}" type="datetimeFigureOut">
               <a:rPr lang="es-EC" smtClean="0"/>
-              <a:t>9/1/2022</a:t>
+              <a:t>10/1/2022</a:t>
             </a:fld>
             <a:endParaRPr lang="es-EC"/>
           </a:p>
@@ -1971,7 +2052,7 @@
           <a:p>
             <a:fld id="{9E3C3F00-7567-4A91-B5F7-63219B446821}" type="datetimeFigureOut">
               <a:rPr lang="es-EC" smtClean="0"/>
-              <a:t>9/1/2022</a:t>
+              <a:t>10/1/2022</a:t>
             </a:fld>
             <a:endParaRPr lang="es-EC"/>
           </a:p>
@@ -2084,7 +2165,7 @@
           <a:p>
             <a:fld id="{9E3C3F00-7567-4A91-B5F7-63219B446821}" type="datetimeFigureOut">
               <a:rPr lang="es-EC" smtClean="0"/>
-              <a:t>9/1/2022</a:t>
+              <a:t>10/1/2022</a:t>
             </a:fld>
             <a:endParaRPr lang="es-EC"/>
           </a:p>
@@ -2397,7 +2478,7 @@
           <a:p>
             <a:fld id="{9E3C3F00-7567-4A91-B5F7-63219B446821}" type="datetimeFigureOut">
               <a:rPr lang="es-EC" smtClean="0"/>
-              <a:t>9/1/2022</a:t>
+              <a:t>10/1/2022</a:t>
             </a:fld>
             <a:endParaRPr lang="es-EC"/>
           </a:p>
@@ -2686,7 +2767,7 @@
           <a:p>
             <a:fld id="{9E3C3F00-7567-4A91-B5F7-63219B446821}" type="datetimeFigureOut">
               <a:rPr lang="es-EC" smtClean="0"/>
-              <a:t>9/1/2022</a:t>
+              <a:t>10/1/2022</a:t>
             </a:fld>
             <a:endParaRPr lang="es-EC"/>
           </a:p>
@@ -2929,7 +3010,7 @@
           <a:p>
             <a:fld id="{9E3C3F00-7567-4A91-B5F7-63219B446821}" type="datetimeFigureOut">
               <a:rPr lang="es-EC" smtClean="0"/>
-              <a:t>9/1/2022</a:t>
+              <a:t>10/1/2022</a:t>
             </a:fld>
             <a:endParaRPr lang="es-EC"/>
           </a:p>
@@ -3727,7 +3808,7 @@
           <a:p>
             <a:r>
               <a:rPr lang="en-US" dirty="0"/>
-              <a:t>One Vaisala is old, one is new, need to correct for both, but particularly the old one. Also I stupidly don’t have temp and pressure for ANTE. A true bummer.</a:t>
+              <a:t>One Vaisala is old, one is new, need to correct for both, but particularly the old one. Also, I stupidly don’t have temp and pressure for ANTE. A true bummer.</a:t>
             </a:r>
           </a:p>
           <a:p>
@@ -3992,10 +4073,157 @@
           </a:prstGeom>
         </p:spPr>
       </p:pic>
+      <p:pic>
+        <p:nvPicPr>
+          <p:cNvPr id="4" name="Picture 3" descr="Chart&#10;&#10;Description automatically generated">
+            <a:extLst>
+              <a:ext uri="{FF2B5EF4-FFF2-40B4-BE49-F238E27FC236}">
+                <a16:creationId xmlns:a16="http://schemas.microsoft.com/office/drawing/2014/main" id="{92C20C27-37BA-4664-A545-800AB15941D0}"/>
+              </a:ext>
+            </a:extLst>
+          </p:cNvPr>
+          <p:cNvPicPr>
+            <a:picLocks noChangeAspect="1"/>
+          </p:cNvPicPr>
+          <p:nvPr/>
+        </p:nvPicPr>
+        <p:blipFill>
+          <a:blip r:embed="rId5">
+            <a:extLst>
+              <a:ext uri="{28A0092B-C50C-407E-A947-70E740481C1C}">
+                <a14:useLocalDpi xmlns:a14="http://schemas.microsoft.com/office/drawing/2010/main" val="0"/>
+              </a:ext>
+            </a:extLst>
+          </a:blip>
+          <a:stretch>
+            <a:fillRect/>
+          </a:stretch>
+        </p:blipFill>
+        <p:spPr>
+          <a:xfrm>
+            <a:off x="5977666" y="3289854"/>
+            <a:ext cx="5133975" cy="3316576"/>
+          </a:xfrm>
+          <a:prstGeom prst="rect">
+            <a:avLst/>
+          </a:prstGeom>
+        </p:spPr>
+      </p:pic>
     </p:spTree>
     <p:extLst>
       <p:ext uri="{BB962C8B-B14F-4D97-AF65-F5344CB8AC3E}">
         <p14:creationId xmlns:p14="http://schemas.microsoft.com/office/powerpoint/2010/main" val="3603000896"/>
+      </p:ext>
+    </p:extLst>
+  </p:cSld>
+  <p:clrMapOvr>
+    <a:masterClrMapping/>
+  </p:clrMapOvr>
+</p:sld>
+</file>
+
+<file path=ppt/slides/slide6.xml><?xml version="1.0" encoding="utf-8"?>
+<p:sld xmlns:a="http://schemas.openxmlformats.org/drawingml/2006/main" xmlns:r="http://schemas.openxmlformats.org/officeDocument/2006/relationships" xmlns:p="http://schemas.openxmlformats.org/presentationml/2006/main">
+  <p:cSld>
+    <p:spTree>
+      <p:nvGrpSpPr>
+        <p:cNvPr id="1" name=""/>
+        <p:cNvGrpSpPr/>
+        <p:nvPr/>
+      </p:nvGrpSpPr>
+      <p:grpSpPr>
+        <a:xfrm>
+          <a:off x="0" y="0"/>
+          <a:ext cx="0" cy="0"/>
+          <a:chOff x="0" y="0"/>
+          <a:chExt cx="0" cy="0"/>
+        </a:xfrm>
+      </p:grpSpPr>
+      <p:sp>
+        <p:nvSpPr>
+          <p:cNvPr id="2" name="Title 1">
+            <a:extLst>
+              <a:ext uri="{FF2B5EF4-FFF2-40B4-BE49-F238E27FC236}">
+                <a16:creationId xmlns:a16="http://schemas.microsoft.com/office/drawing/2014/main" id="{9CBA50E8-87DA-41BC-921E-CD3F39EFEB78}"/>
+              </a:ext>
+            </a:extLst>
+          </p:cNvPr>
+          <p:cNvSpPr>
+            <a:spLocks noGrp="1"/>
+          </p:cNvSpPr>
+          <p:nvPr>
+            <p:ph type="title"/>
+          </p:nvPr>
+        </p:nvSpPr>
+        <p:spPr/>
+        <p:txBody>
+          <a:bodyPr/>
+          <a:lstStyle/>
+          <a:p>
+            <a:r>
+              <a:rPr lang="en-US" dirty="0"/>
+              <a:t>Stray thoughts</a:t>
+            </a:r>
+          </a:p>
+        </p:txBody>
+      </p:sp>
+      <p:sp>
+        <p:nvSpPr>
+          <p:cNvPr id="3" name="Content Placeholder 2">
+            <a:extLst>
+              <a:ext uri="{FF2B5EF4-FFF2-40B4-BE49-F238E27FC236}">
+                <a16:creationId xmlns:a16="http://schemas.microsoft.com/office/drawing/2014/main" id="{34072DC6-D117-49D2-96FC-A2C0750125B2}"/>
+              </a:ext>
+            </a:extLst>
+          </p:cNvPr>
+          <p:cNvSpPr>
+            <a:spLocks noGrp="1"/>
+          </p:cNvSpPr>
+          <p:nvPr>
+            <p:ph idx="1"/>
+          </p:nvPr>
+        </p:nvSpPr>
+        <p:spPr/>
+        <p:txBody>
+          <a:bodyPr/>
+          <a:lstStyle/>
+          <a:p>
+            <a:r>
+              <a:rPr lang="en-US" dirty="0"/>
+              <a:t>If the short incubation time for methane throws doubt on methane samples, doesn’t that also throw doubt on </a:t>
+            </a:r>
+            <a:r>
+              <a:rPr lang="en-US" dirty="0" err="1"/>
+              <a:t>Picarro</a:t>
+            </a:r>
+            <a:r>
+              <a:rPr lang="en-US" dirty="0"/>
+              <a:t> samples from 2019? Maybe we should revisit this?</a:t>
+            </a:r>
+          </a:p>
+          <a:p>
+            <a:r>
+              <a:rPr lang="en-US" dirty="0"/>
+              <a:t>Beaver Related – we </a:t>
+            </a:r>
+            <a:r>
+              <a:rPr lang="en-US" i="1" dirty="0"/>
+              <a:t>could</a:t>
+            </a:r>
+            <a:r>
+              <a:rPr lang="en-US" dirty="0"/>
+              <a:t> think about me (and Tessa) running the IC. Theoretically it’s cheaper (according to Joseph), and we actually get lower detection on bromide, nitrate, nitrite.</a:t>
+            </a:r>
+          </a:p>
+          <a:p>
+            <a:endParaRPr lang="en-US" dirty="0"/>
+          </a:p>
+        </p:txBody>
+      </p:sp>
+    </p:spTree>
+    <p:extLst>
+      <p:ext uri="{BB962C8B-B14F-4D97-AF65-F5344CB8AC3E}">
+        <p14:creationId xmlns:p14="http://schemas.microsoft.com/office/powerpoint/2010/main" val="4180771730"/>
       </p:ext>
     </p:extLst>
   </p:cSld>

--- a/plots/DataVis_2022-01-10.pptx
+++ b/plots/DataVis_2022-01-10.pptx
@@ -11,6 +11,14 @@
     <p:sldId id="258" r:id="rId5"/>
     <p:sldId id="259" r:id="rId6"/>
     <p:sldId id="261" r:id="rId7"/>
+    <p:sldId id="267" r:id="rId8"/>
+    <p:sldId id="262" r:id="rId9"/>
+    <p:sldId id="263" r:id="rId10"/>
+    <p:sldId id="264" r:id="rId11"/>
+    <p:sldId id="265" r:id="rId12"/>
+    <p:sldId id="266" r:id="rId13"/>
+    <p:sldId id="268" r:id="rId14"/>
+    <p:sldId id="269" r:id="rId15"/>
   </p:sldIdLst>
   <p:sldSz cx="12192000" cy="6858000"/>
   <p:notesSz cx="6858000" cy="9144000"/>
@@ -3490,6 +3498,473 @@
 </p:sld>
 </file>
 
+<file path=ppt/slides/slide10.xml><?xml version="1.0" encoding="utf-8"?>
+<p:sld xmlns:a="http://schemas.openxmlformats.org/drawingml/2006/main" xmlns:r="http://schemas.openxmlformats.org/officeDocument/2006/relationships" xmlns:p="http://schemas.openxmlformats.org/presentationml/2006/main">
+  <p:cSld>
+    <p:spTree>
+      <p:nvGrpSpPr>
+        <p:cNvPr id="1" name=""/>
+        <p:cNvGrpSpPr/>
+        <p:nvPr/>
+      </p:nvGrpSpPr>
+      <p:grpSpPr>
+        <a:xfrm>
+          <a:off x="0" y="0"/>
+          <a:ext cx="0" cy="0"/>
+          <a:chOff x="0" y="0"/>
+          <a:chExt cx="0" cy="0"/>
+        </a:xfrm>
+      </p:grpSpPr>
+      <p:sp>
+        <p:nvSpPr>
+          <p:cNvPr id="2" name="Title 1">
+            <a:extLst>
+              <a:ext uri="{FF2B5EF4-FFF2-40B4-BE49-F238E27FC236}">
+                <a16:creationId xmlns:a16="http://schemas.microsoft.com/office/drawing/2014/main" id="{2443F31E-AA56-4E0E-9E35-8DDEAF8C86FE}"/>
+              </a:ext>
+            </a:extLst>
+          </p:cNvPr>
+          <p:cNvSpPr>
+            <a:spLocks noGrp="1"/>
+          </p:cNvSpPr>
+          <p:nvPr>
+            <p:ph type="title"/>
+          </p:nvPr>
+        </p:nvSpPr>
+        <p:spPr/>
+        <p:txBody>
+          <a:bodyPr/>
+          <a:lstStyle/>
+          <a:p>
+            <a:r>
+              <a:rPr lang="en-US" dirty="0"/>
+              <a:t>Email Ricardo</a:t>
+            </a:r>
+            <a:endParaRPr lang="es-EC" dirty="0"/>
+          </a:p>
+        </p:txBody>
+      </p:sp>
+      <p:sp>
+        <p:nvSpPr>
+          <p:cNvPr id="3" name="Content Placeholder 2">
+            <a:extLst>
+              <a:ext uri="{FF2B5EF4-FFF2-40B4-BE49-F238E27FC236}">
+                <a16:creationId xmlns:a16="http://schemas.microsoft.com/office/drawing/2014/main" id="{E8A8B125-7717-46D7-B812-CFDEF0557998}"/>
+              </a:ext>
+            </a:extLst>
+          </p:cNvPr>
+          <p:cNvSpPr>
+            <a:spLocks noGrp="1"/>
+          </p:cNvSpPr>
+          <p:nvPr>
+            <p:ph idx="1"/>
+          </p:nvPr>
+        </p:nvSpPr>
+        <p:spPr/>
+        <p:txBody>
+          <a:bodyPr/>
+          <a:lstStyle/>
+          <a:p>
+            <a:r>
+              <a:rPr lang="en-US" dirty="0"/>
+              <a:t>Replace DO caps</a:t>
+            </a:r>
+          </a:p>
+          <a:p>
+            <a:r>
+              <a:rPr lang="en-US" dirty="0"/>
+              <a:t>Download everything</a:t>
+            </a:r>
+          </a:p>
+          <a:p>
+            <a:r>
+              <a:rPr lang="en-US" dirty="0"/>
+              <a:t>Take </a:t>
+            </a:r>
+            <a:r>
+              <a:rPr lang="en-US" dirty="0" err="1"/>
+              <a:t>measurments</a:t>
+            </a:r>
+            <a:r>
+              <a:rPr lang="en-US" dirty="0"/>
+              <a:t> of co2 with spare </a:t>
+            </a:r>
+            <a:r>
+              <a:rPr lang="en-US" dirty="0" err="1"/>
+              <a:t>vaisala</a:t>
+            </a:r>
+            <a:endParaRPr lang="es-EC" dirty="0"/>
+          </a:p>
+        </p:txBody>
+      </p:sp>
+    </p:spTree>
+    <p:extLst>
+      <p:ext uri="{BB962C8B-B14F-4D97-AF65-F5344CB8AC3E}">
+        <p14:creationId xmlns:p14="http://schemas.microsoft.com/office/powerpoint/2010/main" val="1032210895"/>
+      </p:ext>
+    </p:extLst>
+  </p:cSld>
+  <p:clrMapOvr>
+    <a:masterClrMapping/>
+  </p:clrMapOvr>
+</p:sld>
+</file>
+
+<file path=ppt/slides/slide11.xml><?xml version="1.0" encoding="utf-8"?>
+<p:sld xmlns:a="http://schemas.openxmlformats.org/drawingml/2006/main" xmlns:r="http://schemas.openxmlformats.org/officeDocument/2006/relationships" xmlns:p="http://schemas.openxmlformats.org/presentationml/2006/main">
+  <p:cSld>
+    <p:spTree>
+      <p:nvGrpSpPr>
+        <p:cNvPr id="1" name=""/>
+        <p:cNvGrpSpPr/>
+        <p:nvPr/>
+      </p:nvGrpSpPr>
+      <p:grpSpPr>
+        <a:xfrm>
+          <a:off x="0" y="0"/>
+          <a:ext cx="0" cy="0"/>
+          <a:chOff x="0" y="0"/>
+          <a:chExt cx="0" cy="0"/>
+        </a:xfrm>
+      </p:grpSpPr>
+      <p:sp>
+        <p:nvSpPr>
+          <p:cNvPr id="2" name="Title 1">
+            <a:extLst>
+              <a:ext uri="{FF2B5EF4-FFF2-40B4-BE49-F238E27FC236}">
+                <a16:creationId xmlns:a16="http://schemas.microsoft.com/office/drawing/2014/main" id="{8A0CF598-7F63-4625-A987-2E408C886C15}"/>
+              </a:ext>
+            </a:extLst>
+          </p:cNvPr>
+          <p:cNvSpPr>
+            <a:spLocks noGrp="1"/>
+          </p:cNvSpPr>
+          <p:nvPr>
+            <p:ph type="title"/>
+          </p:nvPr>
+        </p:nvSpPr>
+        <p:spPr/>
+        <p:txBody>
+          <a:bodyPr/>
+          <a:lstStyle/>
+          <a:p>
+            <a:r>
+              <a:rPr lang="en-US" dirty="0"/>
+              <a:t>Summer plans</a:t>
+            </a:r>
+            <a:endParaRPr lang="es-EC" dirty="0"/>
+          </a:p>
+        </p:txBody>
+      </p:sp>
+      <p:sp>
+        <p:nvSpPr>
+          <p:cNvPr id="3" name="Content Placeholder 2">
+            <a:extLst>
+              <a:ext uri="{FF2B5EF4-FFF2-40B4-BE49-F238E27FC236}">
+                <a16:creationId xmlns:a16="http://schemas.microsoft.com/office/drawing/2014/main" id="{612002C4-1E3C-4DEE-B16A-6630F3430EFC}"/>
+              </a:ext>
+            </a:extLst>
+          </p:cNvPr>
+          <p:cNvSpPr>
+            <a:spLocks noGrp="1"/>
+          </p:cNvSpPr>
+          <p:nvPr>
+            <p:ph idx="1"/>
+          </p:nvPr>
+        </p:nvSpPr>
+        <p:spPr/>
+        <p:txBody>
+          <a:bodyPr/>
+          <a:lstStyle/>
+          <a:p>
+            <a:r>
+              <a:rPr lang="en-US" dirty="0" err="1"/>
+              <a:t>Undergrades</a:t>
+            </a:r>
+            <a:r>
+              <a:rPr lang="en-US" dirty="0"/>
+              <a:t> --- nitrogen injections?</a:t>
+            </a:r>
+          </a:p>
+          <a:p>
+            <a:endParaRPr lang="en-US" dirty="0"/>
+          </a:p>
+          <a:p>
+            <a:r>
+              <a:rPr lang="en-US" dirty="0"/>
+              <a:t>Precipitation drives CO2</a:t>
+            </a:r>
+            <a:endParaRPr lang="es-EC" dirty="0"/>
+          </a:p>
+        </p:txBody>
+      </p:sp>
+    </p:spTree>
+    <p:extLst>
+      <p:ext uri="{BB962C8B-B14F-4D97-AF65-F5344CB8AC3E}">
+        <p14:creationId xmlns:p14="http://schemas.microsoft.com/office/powerpoint/2010/main" val="399613501"/>
+      </p:ext>
+    </p:extLst>
+  </p:cSld>
+  <p:clrMapOvr>
+    <a:masterClrMapping/>
+  </p:clrMapOvr>
+</p:sld>
+</file>
+
+<file path=ppt/slides/slide12.xml><?xml version="1.0" encoding="utf-8"?>
+<p:sld xmlns:a="http://schemas.openxmlformats.org/drawingml/2006/main" xmlns:r="http://schemas.openxmlformats.org/officeDocument/2006/relationships" xmlns:p="http://schemas.openxmlformats.org/presentationml/2006/main">
+  <p:cSld>
+    <p:spTree>
+      <p:nvGrpSpPr>
+        <p:cNvPr id="1" name=""/>
+        <p:cNvGrpSpPr/>
+        <p:nvPr/>
+      </p:nvGrpSpPr>
+      <p:grpSpPr>
+        <a:xfrm>
+          <a:off x="0" y="0"/>
+          <a:ext cx="0" cy="0"/>
+          <a:chOff x="0" y="0"/>
+          <a:chExt cx="0" cy="0"/>
+        </a:xfrm>
+      </p:grpSpPr>
+      <p:sp>
+        <p:nvSpPr>
+          <p:cNvPr id="2" name="Title 1">
+            <a:extLst>
+              <a:ext uri="{FF2B5EF4-FFF2-40B4-BE49-F238E27FC236}">
+                <a16:creationId xmlns:a16="http://schemas.microsoft.com/office/drawing/2014/main" id="{42FE28AE-9B70-48BC-AC18-319804C78CB1}"/>
+              </a:ext>
+            </a:extLst>
+          </p:cNvPr>
+          <p:cNvSpPr>
+            <a:spLocks noGrp="1"/>
+          </p:cNvSpPr>
+          <p:nvPr>
+            <p:ph type="title"/>
+          </p:nvPr>
+        </p:nvSpPr>
+        <p:spPr/>
+        <p:txBody>
+          <a:bodyPr/>
+          <a:lstStyle/>
+          <a:p>
+            <a:endParaRPr lang="es-EC"/>
+          </a:p>
+        </p:txBody>
+      </p:sp>
+      <p:sp>
+        <p:nvSpPr>
+          <p:cNvPr id="3" name="Content Placeholder 2">
+            <a:extLst>
+              <a:ext uri="{FF2B5EF4-FFF2-40B4-BE49-F238E27FC236}">
+                <a16:creationId xmlns:a16="http://schemas.microsoft.com/office/drawing/2014/main" id="{22BAD9C0-FC20-4DC6-830F-7F11D3B7FD9D}"/>
+              </a:ext>
+            </a:extLst>
+          </p:cNvPr>
+          <p:cNvSpPr>
+            <a:spLocks noGrp="1"/>
+          </p:cNvSpPr>
+          <p:nvPr>
+            <p:ph idx="1"/>
+          </p:nvPr>
+        </p:nvSpPr>
+        <p:spPr/>
+        <p:txBody>
+          <a:bodyPr/>
+          <a:lstStyle/>
+          <a:p>
+            <a:r>
+              <a:rPr lang="en-US" dirty="0"/>
+              <a:t>Puerto Rico</a:t>
+            </a:r>
+          </a:p>
+          <a:p>
+            <a:r>
+              <a:rPr lang="en-US" dirty="0"/>
+              <a:t>Or UTAH</a:t>
+            </a:r>
+          </a:p>
+          <a:p>
+            <a:r>
+              <a:rPr lang="en-US" dirty="0"/>
+              <a:t>apply</a:t>
+            </a:r>
+            <a:endParaRPr lang="es-EC" dirty="0"/>
+          </a:p>
+        </p:txBody>
+      </p:sp>
+    </p:spTree>
+    <p:extLst>
+      <p:ext uri="{BB962C8B-B14F-4D97-AF65-F5344CB8AC3E}">
+        <p14:creationId xmlns:p14="http://schemas.microsoft.com/office/powerpoint/2010/main" val="3674235294"/>
+      </p:ext>
+    </p:extLst>
+  </p:cSld>
+  <p:clrMapOvr>
+    <a:masterClrMapping/>
+  </p:clrMapOvr>
+</p:sld>
+</file>
+
+<file path=ppt/slides/slide13.xml><?xml version="1.0" encoding="utf-8"?>
+<p:sld xmlns:a="http://schemas.openxmlformats.org/drawingml/2006/main" xmlns:r="http://schemas.openxmlformats.org/officeDocument/2006/relationships" xmlns:p="http://schemas.openxmlformats.org/presentationml/2006/main">
+  <p:cSld>
+    <p:spTree>
+      <p:nvGrpSpPr>
+        <p:cNvPr id="1" name=""/>
+        <p:cNvGrpSpPr/>
+        <p:nvPr/>
+      </p:nvGrpSpPr>
+      <p:grpSpPr>
+        <a:xfrm>
+          <a:off x="0" y="0"/>
+          <a:ext cx="0" cy="0"/>
+          <a:chOff x="0" y="0"/>
+          <a:chExt cx="0" cy="0"/>
+        </a:xfrm>
+      </p:grpSpPr>
+      <p:sp>
+        <p:nvSpPr>
+          <p:cNvPr id="2" name="Title 1">
+            <a:extLst>
+              <a:ext uri="{FF2B5EF4-FFF2-40B4-BE49-F238E27FC236}">
+                <a16:creationId xmlns:a16="http://schemas.microsoft.com/office/drawing/2014/main" id="{FD063E88-6727-48A5-A785-E9478BFE29CF}"/>
+              </a:ext>
+            </a:extLst>
+          </p:cNvPr>
+          <p:cNvSpPr>
+            <a:spLocks noGrp="1"/>
+          </p:cNvSpPr>
+          <p:nvPr>
+            <p:ph type="title"/>
+          </p:nvPr>
+        </p:nvSpPr>
+        <p:spPr/>
+        <p:txBody>
+          <a:bodyPr/>
+          <a:lstStyle/>
+          <a:p>
+            <a:r>
+              <a:rPr lang="en-US" dirty="0" err="1"/>
+              <a:t>fulbright</a:t>
+            </a:r>
+            <a:endParaRPr lang="es-EC" dirty="0"/>
+          </a:p>
+        </p:txBody>
+      </p:sp>
+      <p:sp>
+        <p:nvSpPr>
+          <p:cNvPr id="3" name="Content Placeholder 2">
+            <a:extLst>
+              <a:ext uri="{FF2B5EF4-FFF2-40B4-BE49-F238E27FC236}">
+                <a16:creationId xmlns:a16="http://schemas.microsoft.com/office/drawing/2014/main" id="{AAE19377-C37E-43DA-9565-B80552A0EF8D}"/>
+              </a:ext>
+            </a:extLst>
+          </p:cNvPr>
+          <p:cNvSpPr>
+            <a:spLocks noGrp="1"/>
+          </p:cNvSpPr>
+          <p:nvPr>
+            <p:ph idx="1"/>
+          </p:nvPr>
+        </p:nvSpPr>
+        <p:spPr/>
+        <p:txBody>
+          <a:bodyPr/>
+          <a:lstStyle/>
+          <a:p>
+            <a:r>
+              <a:rPr lang="en-US" dirty="0"/>
+              <a:t>Pass comps?</a:t>
+            </a:r>
+          </a:p>
+          <a:p>
+            <a:r>
+              <a:rPr lang="en-US" dirty="0"/>
+              <a:t>Pad cv more</a:t>
+            </a:r>
+            <a:endParaRPr lang="es-EC" dirty="0"/>
+          </a:p>
+        </p:txBody>
+      </p:sp>
+    </p:spTree>
+    <p:extLst>
+      <p:ext uri="{BB962C8B-B14F-4D97-AF65-F5344CB8AC3E}">
+        <p14:creationId xmlns:p14="http://schemas.microsoft.com/office/powerpoint/2010/main" val="1838096745"/>
+      </p:ext>
+    </p:extLst>
+  </p:cSld>
+  <p:clrMapOvr>
+    <a:masterClrMapping/>
+  </p:clrMapOvr>
+</p:sld>
+</file>
+
+<file path=ppt/slides/slide14.xml><?xml version="1.0" encoding="utf-8"?>
+<p:sld xmlns:a="http://schemas.openxmlformats.org/drawingml/2006/main" xmlns:r="http://schemas.openxmlformats.org/officeDocument/2006/relationships" xmlns:p="http://schemas.openxmlformats.org/presentationml/2006/main">
+  <p:cSld>
+    <p:spTree>
+      <p:nvGrpSpPr>
+        <p:cNvPr id="1" name=""/>
+        <p:cNvGrpSpPr/>
+        <p:nvPr/>
+      </p:nvGrpSpPr>
+      <p:grpSpPr>
+        <a:xfrm>
+          <a:off x="0" y="0"/>
+          <a:ext cx="0" cy="0"/>
+          <a:chOff x="0" y="0"/>
+          <a:chExt cx="0" cy="0"/>
+        </a:xfrm>
+      </p:grpSpPr>
+      <p:sp>
+        <p:nvSpPr>
+          <p:cNvPr id="2" name="Title 1">
+            <a:extLst>
+              <a:ext uri="{FF2B5EF4-FFF2-40B4-BE49-F238E27FC236}">
+                <a16:creationId xmlns:a16="http://schemas.microsoft.com/office/drawing/2014/main" id="{902F1911-BF6B-467F-93A5-D7512E4EE174}"/>
+              </a:ext>
+            </a:extLst>
+          </p:cNvPr>
+          <p:cNvSpPr>
+            <a:spLocks noGrp="1"/>
+          </p:cNvSpPr>
+          <p:nvPr>
+            <p:ph type="title"/>
+          </p:nvPr>
+        </p:nvSpPr>
+        <p:spPr/>
+        <p:txBody>
+          <a:bodyPr>
+            <a:normAutofit fontScale="90000"/>
+          </a:bodyPr>
+          <a:lstStyle/>
+          <a:p>
+            <a:r>
+              <a:rPr lang="es-EC" dirty="0"/>
+              <a:t>https://www.conocophillips.com/sustainability/sustainability-news/story/testing-drone-technology-to-detect-and-quantify-emissions/</a:t>
+            </a:r>
+            <a:br>
+              <a:rPr lang="es-EC" dirty="0"/>
+            </a:br>
+            <a:endParaRPr lang="es-EC" dirty="0"/>
+          </a:p>
+        </p:txBody>
+      </p:sp>
+    </p:spTree>
+    <p:extLst>
+      <p:ext uri="{BB962C8B-B14F-4D97-AF65-F5344CB8AC3E}">
+        <p14:creationId xmlns:p14="http://schemas.microsoft.com/office/powerpoint/2010/main" val="2036988565"/>
+      </p:ext>
+    </p:extLst>
+  </p:cSld>
+  <p:clrMapOvr>
+    <a:masterClrMapping/>
+  </p:clrMapOvr>
+</p:sld>
+</file>
+
 <file path=ppt/slides/slide2.xml><?xml version="1.0" encoding="utf-8"?>
 <p:sld xmlns:a="http://schemas.openxmlformats.org/drawingml/2006/main" xmlns:r="http://schemas.openxmlformats.org/officeDocument/2006/relationships" xmlns:p="http://schemas.openxmlformats.org/presentationml/2006/main">
   <p:cSld>
@@ -3535,7 +4010,7 @@
         </p:blipFill>
         <p:spPr>
           <a:xfrm>
-            <a:off x="2324647" y="145732"/>
+            <a:off x="2324647" y="105976"/>
             <a:ext cx="9867353" cy="2348268"/>
           </a:xfrm>
           <a:prstGeom prst="rect">
@@ -3571,7 +4046,7 @@
         </p:blipFill>
         <p:spPr>
           <a:xfrm>
-            <a:off x="2137587" y="4509732"/>
+            <a:off x="2137587" y="4589245"/>
             <a:ext cx="9867353" cy="2348268"/>
           </a:xfrm>
           <a:prstGeom prst="rect">
@@ -3607,7 +4082,7 @@
         </p:blipFill>
         <p:spPr>
           <a:xfrm>
-            <a:off x="2137586" y="2254866"/>
+            <a:off x="2137586" y="2215109"/>
             <a:ext cx="9867353" cy="2348268"/>
           </a:xfrm>
           <a:prstGeom prst="rect">
@@ -4224,6 +4699,317 @@
     <p:extLst>
       <p:ext uri="{BB962C8B-B14F-4D97-AF65-F5344CB8AC3E}">
         <p14:creationId xmlns:p14="http://schemas.microsoft.com/office/powerpoint/2010/main" val="4180771730"/>
+      </p:ext>
+    </p:extLst>
+  </p:cSld>
+  <p:clrMapOvr>
+    <a:masterClrMapping/>
+  </p:clrMapOvr>
+</p:sld>
+</file>
+
+<file path=ppt/slides/slide7.xml><?xml version="1.0" encoding="utf-8"?>
+<p:sld xmlns:a="http://schemas.openxmlformats.org/drawingml/2006/main" xmlns:r="http://schemas.openxmlformats.org/officeDocument/2006/relationships" xmlns:p="http://schemas.openxmlformats.org/presentationml/2006/main">
+  <p:cSld>
+    <p:spTree>
+      <p:nvGrpSpPr>
+        <p:cNvPr id="1" name=""/>
+        <p:cNvGrpSpPr/>
+        <p:nvPr/>
+      </p:nvGrpSpPr>
+      <p:grpSpPr>
+        <a:xfrm>
+          <a:off x="0" y="0"/>
+          <a:ext cx="0" cy="0"/>
+          <a:chOff x="0" y="0"/>
+          <a:chExt cx="0" cy="0"/>
+        </a:xfrm>
+      </p:grpSpPr>
+      <p:sp>
+        <p:nvSpPr>
+          <p:cNvPr id="2" name="Title 1">
+            <a:extLst>
+              <a:ext uri="{FF2B5EF4-FFF2-40B4-BE49-F238E27FC236}">
+                <a16:creationId xmlns:a16="http://schemas.microsoft.com/office/drawing/2014/main" id="{6BA90B6C-4B15-4ACB-81CE-2D52B720CD5F}"/>
+              </a:ext>
+            </a:extLst>
+          </p:cNvPr>
+          <p:cNvSpPr>
+            <a:spLocks noGrp="1"/>
+          </p:cNvSpPr>
+          <p:nvPr>
+            <p:ph type="title"/>
+          </p:nvPr>
+        </p:nvSpPr>
+        <p:spPr/>
+        <p:txBody>
+          <a:bodyPr/>
+          <a:lstStyle/>
+          <a:p>
+            <a:endParaRPr lang="es-EC"/>
+          </a:p>
+        </p:txBody>
+      </p:sp>
+      <p:sp>
+        <p:nvSpPr>
+          <p:cNvPr id="3" name="Content Placeholder 2">
+            <a:extLst>
+              <a:ext uri="{FF2B5EF4-FFF2-40B4-BE49-F238E27FC236}">
+                <a16:creationId xmlns:a16="http://schemas.microsoft.com/office/drawing/2014/main" id="{BFADD73B-78D0-4B5F-884A-CBB421E3D66F}"/>
+              </a:ext>
+            </a:extLst>
+          </p:cNvPr>
+          <p:cNvSpPr>
+            <a:spLocks noGrp="1"/>
+          </p:cNvSpPr>
+          <p:nvPr>
+            <p:ph idx="1"/>
+          </p:nvPr>
+        </p:nvSpPr>
+        <p:spPr/>
+        <p:txBody>
+          <a:bodyPr/>
+          <a:lstStyle/>
+          <a:p>
+            <a:endParaRPr lang="en-US" dirty="0"/>
+          </a:p>
+          <a:p>
+            <a:r>
+              <a:rPr lang="en-US" dirty="0"/>
+              <a:t>Nitrogen injection</a:t>
+            </a:r>
+            <a:endParaRPr lang="es-EC" dirty="0"/>
+          </a:p>
+          <a:p>
+            <a:endParaRPr lang="es-EC" dirty="0"/>
+          </a:p>
+          <a:p>
+            <a:endParaRPr lang="es-EC" dirty="0"/>
+          </a:p>
+          <a:p>
+            <a:endParaRPr lang="es-EC" dirty="0"/>
+          </a:p>
+        </p:txBody>
+      </p:sp>
+    </p:spTree>
+    <p:extLst>
+      <p:ext uri="{BB962C8B-B14F-4D97-AF65-F5344CB8AC3E}">
+        <p14:creationId xmlns:p14="http://schemas.microsoft.com/office/powerpoint/2010/main" val="693889578"/>
+      </p:ext>
+    </p:extLst>
+  </p:cSld>
+  <p:clrMapOvr>
+    <a:masterClrMapping/>
+  </p:clrMapOvr>
+</p:sld>
+</file>
+
+<file path=ppt/slides/slide8.xml><?xml version="1.0" encoding="utf-8"?>
+<p:sld xmlns:a="http://schemas.openxmlformats.org/drawingml/2006/main" xmlns:r="http://schemas.openxmlformats.org/officeDocument/2006/relationships" xmlns:p="http://schemas.openxmlformats.org/presentationml/2006/main">
+  <p:cSld>
+    <p:spTree>
+      <p:nvGrpSpPr>
+        <p:cNvPr id="1" name=""/>
+        <p:cNvGrpSpPr/>
+        <p:nvPr/>
+      </p:nvGrpSpPr>
+      <p:grpSpPr>
+        <a:xfrm>
+          <a:off x="0" y="0"/>
+          <a:ext cx="0" cy="0"/>
+          <a:chOff x="0" y="0"/>
+          <a:chExt cx="0" cy="0"/>
+        </a:xfrm>
+      </p:grpSpPr>
+      <p:sp>
+        <p:nvSpPr>
+          <p:cNvPr id="2" name="Title 1">
+            <a:extLst>
+              <a:ext uri="{FF2B5EF4-FFF2-40B4-BE49-F238E27FC236}">
+                <a16:creationId xmlns:a16="http://schemas.microsoft.com/office/drawing/2014/main" id="{1744EC9F-513A-4A1C-B437-2CA2026011DD}"/>
+              </a:ext>
+            </a:extLst>
+          </p:cNvPr>
+          <p:cNvSpPr>
+            <a:spLocks noGrp="1"/>
+          </p:cNvSpPr>
+          <p:nvPr>
+            <p:ph type="title"/>
+          </p:nvPr>
+        </p:nvSpPr>
+        <p:spPr/>
+        <p:txBody>
+          <a:bodyPr/>
+          <a:lstStyle/>
+          <a:p>
+            <a:endParaRPr lang="es-EC" dirty="0"/>
+          </a:p>
+        </p:txBody>
+      </p:sp>
+      <p:sp>
+        <p:nvSpPr>
+          <p:cNvPr id="3" name="Text Placeholder 2">
+            <a:extLst>
+              <a:ext uri="{FF2B5EF4-FFF2-40B4-BE49-F238E27FC236}">
+                <a16:creationId xmlns:a16="http://schemas.microsoft.com/office/drawing/2014/main" id="{1A3E437D-0561-43E8-B958-06B67290026A}"/>
+              </a:ext>
+            </a:extLst>
+          </p:cNvPr>
+          <p:cNvSpPr>
+            <a:spLocks noGrp="1"/>
+          </p:cNvSpPr>
+          <p:nvPr>
+            <p:ph type="body" idx="1"/>
+          </p:nvPr>
+        </p:nvSpPr>
+        <p:spPr/>
+        <p:txBody>
+          <a:bodyPr/>
+          <a:lstStyle/>
+          <a:p>
+            <a:endParaRPr lang="es-EC"/>
+          </a:p>
+        </p:txBody>
+      </p:sp>
+    </p:spTree>
+    <p:extLst>
+      <p:ext uri="{BB962C8B-B14F-4D97-AF65-F5344CB8AC3E}">
+        <p14:creationId xmlns:p14="http://schemas.microsoft.com/office/powerpoint/2010/main" val="2995451359"/>
+      </p:ext>
+    </p:extLst>
+  </p:cSld>
+  <p:clrMapOvr>
+    <a:masterClrMapping/>
+  </p:clrMapOvr>
+</p:sld>
+</file>
+
+<file path=ppt/slides/slide9.xml><?xml version="1.0" encoding="utf-8"?>
+<p:sld xmlns:a="http://schemas.openxmlformats.org/drawingml/2006/main" xmlns:r="http://schemas.openxmlformats.org/officeDocument/2006/relationships" xmlns:p="http://schemas.openxmlformats.org/presentationml/2006/main">
+  <p:cSld>
+    <p:spTree>
+      <p:nvGrpSpPr>
+        <p:cNvPr id="1" name=""/>
+        <p:cNvGrpSpPr/>
+        <p:nvPr/>
+      </p:nvGrpSpPr>
+      <p:grpSpPr>
+        <a:xfrm>
+          <a:off x="0" y="0"/>
+          <a:ext cx="0" cy="0"/>
+          <a:chOff x="0" y="0"/>
+          <a:chExt cx="0" cy="0"/>
+        </a:xfrm>
+      </p:grpSpPr>
+      <p:sp>
+        <p:nvSpPr>
+          <p:cNvPr id="2" name="Title 1">
+            <a:extLst>
+              <a:ext uri="{FF2B5EF4-FFF2-40B4-BE49-F238E27FC236}">
+                <a16:creationId xmlns:a16="http://schemas.microsoft.com/office/drawing/2014/main" id="{61A833E6-DA0D-46B7-BF48-497A1EAC531A}"/>
+              </a:ext>
+            </a:extLst>
+          </p:cNvPr>
+          <p:cNvSpPr>
+            <a:spLocks noGrp="1"/>
+          </p:cNvSpPr>
+          <p:nvPr>
+            <p:ph type="title"/>
+          </p:nvPr>
+        </p:nvSpPr>
+        <p:spPr/>
+        <p:txBody>
+          <a:bodyPr/>
+          <a:lstStyle/>
+          <a:p>
+            <a:endParaRPr lang="es-EC"/>
+          </a:p>
+        </p:txBody>
+      </p:sp>
+      <p:sp>
+        <p:nvSpPr>
+          <p:cNvPr id="3" name="Content Placeholder 2">
+            <a:extLst>
+              <a:ext uri="{FF2B5EF4-FFF2-40B4-BE49-F238E27FC236}">
+                <a16:creationId xmlns:a16="http://schemas.microsoft.com/office/drawing/2014/main" id="{4F3E3D9B-16FE-4AEE-8B31-3DD669F77358}"/>
+              </a:ext>
+            </a:extLst>
+          </p:cNvPr>
+          <p:cNvSpPr>
+            <a:spLocks noGrp="1"/>
+          </p:cNvSpPr>
+          <p:nvPr>
+            <p:ph idx="1"/>
+          </p:nvPr>
+        </p:nvSpPr>
+        <p:spPr/>
+        <p:txBody>
+          <a:bodyPr>
+            <a:normAutofit lnSpcReduction="10000"/>
+          </a:bodyPr>
+          <a:lstStyle/>
+          <a:p>
+            <a:r>
+              <a:rPr lang="en-US" dirty="0"/>
+              <a:t>Calc k600</a:t>
+            </a:r>
+          </a:p>
+          <a:p>
+            <a:r>
+              <a:rPr lang="en-US" dirty="0"/>
+              <a:t>Make k600 vs discharge relationship</a:t>
+            </a:r>
+          </a:p>
+          <a:p>
+            <a:r>
+              <a:rPr lang="en-US" dirty="0"/>
+              <a:t>Calc flux through this time period</a:t>
+            </a:r>
+          </a:p>
+          <a:p>
+            <a:r>
+              <a:rPr lang="en-US" dirty="0"/>
+              <a:t>K600 + co2 = flux</a:t>
+            </a:r>
+          </a:p>
+          <a:p>
+            <a:endParaRPr lang="en-US" dirty="0"/>
+          </a:p>
+          <a:p>
+            <a:r>
+              <a:rPr lang="en-US" dirty="0"/>
+              <a:t>Weird </a:t>
+            </a:r>
+            <a:r>
+              <a:rPr lang="en-US" dirty="0" err="1"/>
+              <a:t>stn</a:t>
+            </a:r>
+            <a:r>
+              <a:rPr lang="en-US" dirty="0"/>
+              <a:t> 4 spikes? Maybe to do with water table</a:t>
+            </a:r>
+          </a:p>
+          <a:p>
+            <a:endParaRPr lang="en-US" dirty="0"/>
+          </a:p>
+          <a:p>
+            <a:r>
+              <a:rPr lang="en-US" dirty="0"/>
+              <a:t>George Allen</a:t>
+            </a:r>
+          </a:p>
+          <a:p>
+            <a:r>
+              <a:rPr lang="es-EC" dirty="0"/>
+              <a:t>https://www.nsf.gov/awardsearch/showAward?AWD_ID=2145628</a:t>
+            </a:r>
+          </a:p>
+        </p:txBody>
+      </p:sp>
+    </p:spTree>
+    <p:extLst>
+      <p:ext uri="{BB962C8B-B14F-4D97-AF65-F5344CB8AC3E}">
+        <p14:creationId xmlns:p14="http://schemas.microsoft.com/office/powerpoint/2010/main" val="2746238139"/>
       </p:ext>
     </p:extLst>
   </p:cSld>
